--- a/开题报告/常佳辉-面向高速数据流的异构平台调度优化技术.pptx
+++ b/开题报告/常佳辉-面向高速数据流的异构平台调度优化技术.pptx
@@ -5243,7 +5243,7 @@
             </a:pPr>
             <a:fld id="{BDC3EBFC-32AE-4E84-B59D-9B24FC49A0D5}" type="datetime1">
               <a:rPr lang="zh-CN" altLang="en-US"/>
-              <a:t>2020/12/18</a:t>
+              <a:t>2020/12/20</a:t>
             </a:fld>
             <a:endParaRPr lang="zh-CN" altLang="en-US" sz="1350">
               <a:solidFill>
@@ -5435,7 +5435,7 @@
             </a:pPr>
             <a:fld id="{6BD02A7F-D3B1-49CF-AAFE-A763671FA85D}" type="datetime1">
               <a:rPr lang="zh-CN" altLang="en-US"/>
-              <a:t>2020/12/18</a:t>
+              <a:t>2020/12/20</a:t>
             </a:fld>
             <a:endParaRPr lang="zh-CN" altLang="en-US" sz="1350">
               <a:solidFill>
@@ -5637,7 +5637,7 @@
             </a:pPr>
             <a:fld id="{BABF24EB-3DDB-40E5-8EC8-938247AD9B65}" type="datetime1">
               <a:rPr lang="zh-CN" altLang="en-US"/>
-              <a:t>2020/12/18</a:t>
+              <a:t>2020/12/20</a:t>
             </a:fld>
             <a:endParaRPr lang="zh-CN" altLang="en-US" sz="1350">
               <a:solidFill>
@@ -5829,7 +5829,7 @@
             </a:pPr>
             <a:fld id="{70AF6FA8-D2CE-45E5-B546-3851CBEAEDEB}" type="datetime1">
               <a:rPr lang="zh-CN" altLang="en-US"/>
-              <a:t>2020/12/18</a:t>
+              <a:t>2020/12/20</a:t>
             </a:fld>
             <a:endParaRPr lang="zh-CN" altLang="en-US" sz="1350">
               <a:solidFill>
@@ -6044,7 +6044,7 @@
             </a:pPr>
             <a:fld id="{3AAF9547-2DF5-4A7A-B4BA-C6476733C1EA}" type="datetime1">
               <a:rPr lang="zh-CN" altLang="en-US"/>
-              <a:t>2020/12/18</a:t>
+              <a:t>2020/12/20</a:t>
             </a:fld>
             <a:endParaRPr lang="zh-CN" altLang="en-US" sz="1350">
               <a:solidFill>
@@ -6297,7 +6297,7 @@
             </a:pPr>
             <a:fld id="{8EA1E09A-0233-47FD-A64D-5E9476E93AA7}" type="datetime1">
               <a:rPr lang="zh-CN" altLang="en-US"/>
-              <a:t>2020/12/18</a:t>
+              <a:t>2020/12/20</a:t>
             </a:fld>
             <a:endParaRPr lang="zh-CN" altLang="en-US" sz="1350">
               <a:solidFill>
@@ -6685,7 +6685,7 @@
             </a:pPr>
             <a:fld id="{79C3656A-8753-4416-80B9-750684A6E022}" type="datetime1">
               <a:rPr lang="zh-CN" altLang="en-US"/>
-              <a:t>2020/12/18</a:t>
+              <a:t>2020/12/20</a:t>
             </a:fld>
             <a:endParaRPr lang="zh-CN" altLang="en-US" sz="1350">
               <a:solidFill>
@@ -6826,7 +6826,7 @@
             </a:pPr>
             <a:fld id="{8A1FA27C-722A-4677-9E27-E149CA8D1CE4}" type="datetime1">
               <a:rPr lang="zh-CN" altLang="en-US"/>
-              <a:t>2020/12/18</a:t>
+              <a:t>2020/12/20</a:t>
             </a:fld>
             <a:endParaRPr lang="zh-CN" altLang="en-US" sz="1350">
               <a:solidFill>
@@ -6945,7 +6945,7 @@
             </a:pPr>
             <a:fld id="{48329E4B-F11E-4712-82A0-6A7021EEDBC6}" type="datetime1">
               <a:rPr lang="zh-CN" altLang="en-US"/>
-              <a:t>2020/12/18</a:t>
+              <a:t>2020/12/20</a:t>
             </a:fld>
             <a:endParaRPr lang="zh-CN" altLang="en-US" sz="1350">
               <a:solidFill>
@@ -7244,7 +7244,7 @@
             </a:pPr>
             <a:fld id="{23165EC6-BBA9-4C5F-B12B-A30284D2E85F}" type="datetime1">
               <a:rPr lang="zh-CN" altLang="en-US"/>
-              <a:t>2020/12/18</a:t>
+              <a:t>2020/12/20</a:t>
             </a:fld>
             <a:endParaRPr lang="zh-CN" altLang="en-US" sz="1350">
               <a:solidFill>
@@ -7526,7 +7526,7 @@
             </a:pPr>
             <a:fld id="{08750E30-0224-450F-86CF-1BED25E8A446}" type="datetime1">
               <a:rPr lang="zh-CN" altLang="en-US"/>
-              <a:t>2020/12/18</a:t>
+              <a:t>2020/12/20</a:t>
             </a:fld>
             <a:endParaRPr lang="zh-CN" altLang="en-US" sz="1350">
               <a:solidFill>
@@ -7845,7 +7845,7 @@
             </a:pPr>
             <a:fld id="{1AB63079-DF3C-4F80-A45D-868E916743D3}" type="datetime1">
               <a:rPr lang="zh-CN" altLang="en-US"/>
-              <a:t>2020/12/18</a:t>
+              <a:t>2020/12/20</a:t>
             </a:fld>
             <a:endParaRPr lang="zh-CN" altLang="en-US" sz="1350">
               <a:solidFill>
@@ -8872,7 +8872,7 @@
                 <a:latin typeface="微软雅黑" panose="020B0503020204020204" pitchFamily="34" charset="-122"/>
                 <a:ea typeface="微软雅黑" panose="020B0503020204020204" pitchFamily="34" charset="-122"/>
               </a:rPr>
-              <a:t>11</a:t>
+              <a:t>12</a:t>
             </a:r>
             <a:r>
               <a:rPr lang="zh-CN" altLang="en-US" sz="2400" dirty="0" smtClean="0">
@@ -9729,7 +9729,47 @@
                 <a:latin typeface="微软雅黑" panose="020B0503020204020204" pitchFamily="34" charset="-122"/>
                 <a:ea typeface="微软雅黑" panose="020B0503020204020204" pitchFamily="34" charset="-122"/>
               </a:rPr>
-              <a:t>，提供统一的内存分配管理接口和自定义指针类型，减少编程成本。并将主机端分配的</a:t>
+              <a:t>，提供统一的内存分配管理接口</a:t>
+            </a:r>
+            <a:r>
+              <a:rPr lang="zh-CN" altLang="en-US" sz="1600" b="0" dirty="0" smtClean="0">
+                <a:solidFill>
+                  <a:schemeClr val="tx1"/>
+                </a:solidFill>
+                <a:latin typeface="微软雅黑" panose="020B0503020204020204" pitchFamily="34" charset="-122"/>
+                <a:ea typeface="微软雅黑" panose="020B0503020204020204" pitchFamily="34" charset="-122"/>
+              </a:rPr>
+              <a:t>和</a:t>
+            </a:r>
+            <a:r>
+              <a:rPr lang="zh-CN" altLang="en-US" sz="1600" b="0" dirty="0">
+                <a:solidFill>
+                  <a:schemeClr val="tx1"/>
+                </a:solidFill>
+                <a:latin typeface="微软雅黑" panose="020B0503020204020204" pitchFamily="34" charset="-122"/>
+                <a:ea typeface="微软雅黑" panose="020B0503020204020204" pitchFamily="34" charset="-122"/>
+              </a:rPr>
+              <a:t>多功能</a:t>
+            </a:r>
+            <a:r>
+              <a:rPr lang="zh-CN" altLang="en-US" sz="1600" b="0" dirty="0" smtClean="0">
+                <a:solidFill>
+                  <a:schemeClr val="tx1"/>
+                </a:solidFill>
+                <a:latin typeface="微软雅黑" panose="020B0503020204020204" pitchFamily="34" charset="-122"/>
+                <a:ea typeface="微软雅黑" panose="020B0503020204020204" pitchFamily="34" charset="-122"/>
+              </a:rPr>
+              <a:t>指针</a:t>
+            </a:r>
+            <a:r>
+              <a:rPr lang="zh-CN" altLang="en-US" sz="1600" b="0" dirty="0" smtClean="0">
+                <a:solidFill>
+                  <a:schemeClr val="tx1"/>
+                </a:solidFill>
+                <a:latin typeface="微软雅黑" panose="020B0503020204020204" pitchFamily="34" charset="-122"/>
+                <a:ea typeface="微软雅黑" panose="020B0503020204020204" pitchFamily="34" charset="-122"/>
+              </a:rPr>
+              <a:t>类型，减少编程成本。并将主机端分配的</a:t>
             </a:r>
             <a:r>
               <a:rPr lang="en-US" altLang="zh-CN" sz="1600" b="0" dirty="0" smtClean="0">
@@ -10753,7 +10793,7 @@
           <a:graphicData uri="http://schemas.openxmlformats.org/presentationml/2006/ole">
             <mc:AlternateContent xmlns:mc="http://schemas.openxmlformats.org/markup-compatibility/2006">
               <mc:Choice xmlns:v="urn:schemas-microsoft-com:vml" Requires="v">
-                <p:oleObj spid="_x0000_s1169" name="Visio" r:id="rId4" imgW="3809952" imgH="3139333" progId="Visio.Drawing.15">
+                <p:oleObj spid="_x0000_s1182" name="Visio" r:id="rId4" imgW="3809952" imgH="3139333" progId="Visio.Drawing.15">
                   <p:embed/>
                 </p:oleObj>
               </mc:Choice>
@@ -14575,7 +14615,7 @@
           <a:graphicData uri="http://schemas.openxmlformats.org/presentationml/2006/ole">
             <mc:AlternateContent xmlns:mc="http://schemas.openxmlformats.org/markup-compatibility/2006">
               <mc:Choice xmlns:v="urn:schemas-microsoft-com:vml" Requires="v">
-                <p:oleObj spid="_x0000_s2172" name="Visio" r:id="rId4" imgW="3070944" imgH="5478727" progId="Visio.Drawing.15">
+                <p:oleObj spid="_x0000_s2185" name="Visio" r:id="rId4" imgW="3070944" imgH="5478727" progId="Visio.Drawing.15">
                   <p:embed/>
                 </p:oleObj>
               </mc:Choice>
@@ -29155,7 +29195,7 @@
           <p:nvPr>
             <p:extLst>
               <p:ext uri="{D42A27DB-BD31-4B8C-83A1-F6EECF244321}">
-                <p14:modId xmlns:p14="http://schemas.microsoft.com/office/powerpoint/2010/main" val="3804100095"/>
+                <p14:modId xmlns:p14="http://schemas.microsoft.com/office/powerpoint/2010/main" val="450620061"/>
               </p:ext>
             </p:extLst>
           </p:nvPr>
@@ -29489,7 +29529,40 @@
                           <a:ea typeface="微软雅黑" panose="020B0503020204020204" pitchFamily="34" charset="-122"/>
                           <a:cs typeface="Times New Roman" panose="02020603050405020304" pitchFamily="18" charset="0"/>
                         </a:rPr>
-                        <a:t>的资源利用率，当低优先级的任务被抢占时，可能使其逐渐变成高优先级的任务。</a:t>
+                        <a:t>的资源利用率，当低优先级的任务被抢占时，可能使其逐渐变成高优先级的</a:t>
+                      </a:r>
+                      <a:r>
+                        <a:rPr lang="zh-CN" altLang="en-US" sz="1100" b="0" kern="1200" dirty="0" smtClean="0">
+                          <a:solidFill>
+                            <a:schemeClr val="dk1"/>
+                          </a:solidFill>
+                          <a:latin typeface="微软雅黑" panose="020B0503020204020204" pitchFamily="34" charset="-122"/>
+                          <a:ea typeface="微软雅黑" panose="020B0503020204020204" pitchFamily="34" charset="-122"/>
+                          <a:cs typeface="Times New Roman" panose="02020603050405020304" pitchFamily="18" charset="0"/>
+                        </a:rPr>
+                        <a:t>任务，并且修改</a:t>
+                      </a:r>
+                      <a:r>
+                        <a:rPr lang="en-US" altLang="zh-CN" sz="1100" b="0" kern="1200" dirty="0" smtClean="0">
+                          <a:solidFill>
+                            <a:schemeClr val="dk1"/>
+                          </a:solidFill>
+                          <a:latin typeface="微软雅黑" panose="020B0503020204020204" pitchFamily="34" charset="-122"/>
+                          <a:ea typeface="微软雅黑" panose="020B0503020204020204" pitchFamily="34" charset="-122"/>
+                          <a:cs typeface="Times New Roman" panose="02020603050405020304" pitchFamily="18" charset="0"/>
+                        </a:rPr>
+                        <a:t>kernel</a:t>
+                      </a:r>
+                      <a:r>
+                        <a:rPr lang="zh-CN" altLang="en-US" sz="1100" b="0" kern="1200" dirty="0" smtClean="0">
+                          <a:solidFill>
+                            <a:schemeClr val="dk1"/>
+                          </a:solidFill>
+                          <a:latin typeface="微软雅黑" panose="020B0503020204020204" pitchFamily="34" charset="-122"/>
+                          <a:ea typeface="微软雅黑" panose="020B0503020204020204" pitchFamily="34" charset="-122"/>
+                          <a:cs typeface="Times New Roman" panose="02020603050405020304" pitchFamily="18" charset="0"/>
+                        </a:rPr>
+                        <a:t>，带来额外的计算开销。</a:t>
                       </a:r>
                       <a:endParaRPr lang="x-none" altLang="zh-CN" sz="1100" b="0" kern="1200" dirty="0">
                         <a:solidFill>
@@ -31124,14 +31197,14 @@
           <p:nvPr>
             <p:extLst>
               <p:ext uri="{D42A27DB-BD31-4B8C-83A1-F6EECF244321}">
-                <p14:modId xmlns:p14="http://schemas.microsoft.com/office/powerpoint/2010/main" val="1454793232"/>
+                <p14:modId xmlns:p14="http://schemas.microsoft.com/office/powerpoint/2010/main" val="2274561828"/>
               </p:ext>
             </p:extLst>
           </p:nvPr>
         </p:nvGraphicFramePr>
         <p:xfrm>
           <a:off x="295275" y="1363976"/>
-          <a:ext cx="8060460" cy="4328272"/>
+          <a:ext cx="8060460" cy="4800740"/>
         </p:xfrm>
         <a:graphic>
           <a:graphicData uri="http://schemas.openxmlformats.org/drawingml/2006/table">
@@ -31562,29 +31635,7 @@
                           <a:ea typeface="微软雅黑" panose="020B0503020204020204" pitchFamily="34" charset="-122"/>
                           <a:cs typeface="Times New Roman" panose="02020603050405020304" pitchFamily="18" charset="0"/>
                         </a:rPr>
-                        <a:t>《Fluidic kernels: cooperative execution of </a:t>
-                      </a:r>
-                      <a:r>
-                        <a:rPr lang="en-US" altLang="zh-CN" sz="1400" b="0" kern="1200" dirty="0" err="1" smtClean="0">
-                          <a:solidFill>
-                            <a:schemeClr val="dk1"/>
-                          </a:solidFill>
-                          <a:latin typeface="Times New Roman" panose="02020603050405020304" pitchFamily="18" charset="0"/>
-                          <a:ea typeface="微软雅黑" panose="020B0503020204020204" pitchFamily="34" charset="-122"/>
-                          <a:cs typeface="Times New Roman" panose="02020603050405020304" pitchFamily="18" charset="0"/>
-                        </a:rPr>
-                        <a:t>openCl</a:t>
-                      </a:r>
-                      <a:r>
-                        <a:rPr lang="en-US" altLang="zh-CN" sz="1400" b="0" kern="1200" dirty="0" smtClean="0">
-                          <a:solidFill>
-                            <a:schemeClr val="dk1"/>
-                          </a:solidFill>
-                          <a:latin typeface="Times New Roman" panose="02020603050405020304" pitchFamily="18" charset="0"/>
-                          <a:ea typeface="微软雅黑" panose="020B0503020204020204" pitchFamily="34" charset="-122"/>
-                          <a:cs typeface="Times New Roman" panose="02020603050405020304" pitchFamily="18" charset="0"/>
-                        </a:rPr>
-                        <a:t> programs on multiple heterogeneous devices》</a:t>
+                        <a:t>《Parallel triangular matrix system solving on CPU-GPU system》</a:t>
                       </a:r>
                       <a:endParaRPr lang="en-US" altLang="zh-CN" sz="1400" b="0" kern="1200" dirty="0">
                         <a:solidFill>
@@ -31610,7 +31661,7 @@
                         <a:buNone/>
                       </a:pPr>
                       <a:r>
-                        <a:rPr lang="en-US" sz="1100" b="0" kern="1200" dirty="0" err="1" smtClean="0">
+                        <a:rPr lang="en-US" altLang="zh-CN" sz="1100" b="0" kern="1200" dirty="0" err="1" smtClean="0">
                           <a:solidFill>
                             <a:schemeClr val="dk1"/>
                           </a:solidFill>
@@ -31618,7 +31669,7 @@
                           <a:ea typeface="微软雅黑" panose="020B0503020204020204" pitchFamily="34" charset="-122"/>
                           <a:cs typeface="Times New Roman" panose="02020603050405020304" pitchFamily="18" charset="0"/>
                         </a:rPr>
-                        <a:t>Pandit</a:t>
+                        <a:t>Mahfoudhi</a:t>
                       </a:r>
                       <a:r>
                         <a:rPr lang="zh-CN" altLang="en-US" sz="1100" b="0" kern="1200" dirty="0" smtClean="0">
@@ -31629,73 +31680,7 @@
                           <a:ea typeface="微软雅黑" panose="020B0503020204020204" pitchFamily="34" charset="-122"/>
                           <a:cs typeface="Times New Roman" panose="02020603050405020304" pitchFamily="18" charset="0"/>
                         </a:rPr>
-                        <a:t>等人通过提出一种为</a:t>
-                      </a:r>
-                      <a:r>
-                        <a:rPr lang="en-US" altLang="zh-CN" sz="1100" b="0" kern="1200" dirty="0" err="1" smtClean="0">
-                          <a:solidFill>
-                            <a:schemeClr val="dk1"/>
-                          </a:solidFill>
-                          <a:latin typeface="Times New Roman" panose="02020603050405020304" pitchFamily="18" charset="0"/>
-                          <a:ea typeface="微软雅黑" panose="020B0503020204020204" pitchFamily="34" charset="-122"/>
-                          <a:cs typeface="Times New Roman" panose="02020603050405020304" pitchFamily="18" charset="0"/>
-                        </a:rPr>
-                        <a:t>OpenCL</a:t>
-                      </a:r>
-                      <a:r>
-                        <a:rPr lang="zh-CN" altLang="en-US" sz="1100" b="0" kern="1200" dirty="0" smtClean="0">
-                          <a:solidFill>
-                            <a:schemeClr val="dk1"/>
-                          </a:solidFill>
-                          <a:latin typeface="Times New Roman" panose="02020603050405020304" pitchFamily="18" charset="0"/>
-                          <a:ea typeface="微软雅黑" panose="020B0503020204020204" pitchFamily="34" charset="-122"/>
-                          <a:cs typeface="Times New Roman" panose="02020603050405020304" pitchFamily="18" charset="0"/>
-                        </a:rPr>
-                        <a:t>程序设计的运行时系统</a:t>
-                      </a:r>
-                      <a:r>
-                        <a:rPr lang="en-US" altLang="zh-CN" sz="1100" b="0" kern="1200" dirty="0" err="1" smtClean="0">
-                          <a:solidFill>
-                            <a:schemeClr val="dk1"/>
-                          </a:solidFill>
-                          <a:latin typeface="Times New Roman" panose="02020603050405020304" pitchFamily="18" charset="0"/>
-                          <a:ea typeface="微软雅黑" panose="020B0503020204020204" pitchFamily="34" charset="-122"/>
-                          <a:cs typeface="Times New Roman" panose="02020603050405020304" pitchFamily="18" charset="0"/>
-                        </a:rPr>
-                        <a:t>FluidiCL</a:t>
-                      </a:r>
-                      <a:r>
-                        <a:rPr lang="zh-CN" altLang="en-US" sz="1100" b="0" kern="1200" dirty="0" smtClean="0">
-                          <a:solidFill>
-                            <a:schemeClr val="dk1"/>
-                          </a:solidFill>
-                          <a:latin typeface="Times New Roman" panose="02020603050405020304" pitchFamily="18" charset="0"/>
-                          <a:ea typeface="微软雅黑" panose="020B0503020204020204" pitchFamily="34" charset="-122"/>
-                          <a:cs typeface="Times New Roman" panose="02020603050405020304" pitchFamily="18" charset="0"/>
-                        </a:rPr>
-                        <a:t>，使用动态工作分配模式使</a:t>
-                      </a:r>
-                      <a:r>
-                        <a:rPr lang="en-US" altLang="zh-CN" sz="1100" b="0" kern="1200" dirty="0" smtClean="0">
-                          <a:solidFill>
-                            <a:schemeClr val="dk1"/>
-                          </a:solidFill>
-                          <a:latin typeface="Times New Roman" panose="02020603050405020304" pitchFamily="18" charset="0"/>
-                          <a:ea typeface="微软雅黑" panose="020B0503020204020204" pitchFamily="34" charset="-122"/>
-                          <a:cs typeface="Times New Roman" panose="02020603050405020304" pitchFamily="18" charset="0"/>
-                        </a:rPr>
-                        <a:t>kernel</a:t>
-                      </a:r>
-                      <a:r>
-                        <a:rPr lang="zh-CN" altLang="en-US" sz="1100" b="0" kern="1200" dirty="0" smtClean="0">
-                          <a:solidFill>
-                            <a:schemeClr val="dk1"/>
-                          </a:solidFill>
-                          <a:latin typeface="Times New Roman" panose="02020603050405020304" pitchFamily="18" charset="0"/>
-                          <a:ea typeface="微软雅黑" panose="020B0503020204020204" pitchFamily="34" charset="-122"/>
-                          <a:cs typeface="Times New Roman" panose="02020603050405020304" pitchFamily="18" charset="0"/>
-                        </a:rPr>
-                        <a:t>同时运行在</a:t>
+                        <a:t>等人提出了一种基于处理器速度进行三角矩阵运算的递归向下任务分解方法。通过一个按处理单元计算能力分解任务规模的方法划分矩阵，并下发至</a:t>
                       </a:r>
                       <a:r>
                         <a:rPr lang="en-US" altLang="zh-CN" sz="1100" b="0" kern="1200" dirty="0" smtClean="0">
@@ -31717,7 +31702,7 @@
                           <a:ea typeface="微软雅黑" panose="020B0503020204020204" pitchFamily="34" charset="-122"/>
                           <a:cs typeface="Times New Roman" panose="02020603050405020304" pitchFamily="18" charset="0"/>
                         </a:rPr>
-                        <a:t>和</a:t>
+                        <a:t>或</a:t>
                       </a:r>
                       <a:r>
                         <a:rPr lang="en-US" altLang="zh-CN" sz="1100" b="0" kern="1200" dirty="0" smtClean="0">
@@ -31739,7 +31724,7 @@
                           <a:ea typeface="微软雅黑" panose="020B0503020204020204" pitchFamily="34" charset="-122"/>
                           <a:cs typeface="Times New Roman" panose="02020603050405020304" pitchFamily="18" charset="0"/>
                         </a:rPr>
-                        <a:t>上。并通过频繁的数据传输保证结果数据一致性。</a:t>
+                        <a:t>执行。</a:t>
                       </a:r>
                       <a:endParaRPr sz="1100" b="0" kern="1200" dirty="0">
                         <a:solidFill>
@@ -31770,7 +31755,51 @@
                           <a:ea typeface="微软雅黑" panose="020B0503020204020204" pitchFamily="34" charset="-122"/>
                           <a:cs typeface="Times New Roman" panose="02020603050405020304" pitchFamily="18" charset="0"/>
                         </a:rPr>
-                        <a:t>没有利用多</a:t>
+                        <a:t>利用计算速度的方式作为划分任务的依据，可以使任务达到负载均衡，但是文章将</a:t>
+                      </a:r>
+                      <a:r>
+                        <a:rPr lang="en-US" altLang="zh-CN" sz="1100" b="0" kern="1200" dirty="0" smtClean="0">
+                          <a:solidFill>
+                            <a:schemeClr val="dk1"/>
+                          </a:solidFill>
+                          <a:latin typeface="微软雅黑" panose="020B0503020204020204" pitchFamily="34" charset="-122"/>
+                          <a:ea typeface="微软雅黑" panose="020B0503020204020204" pitchFamily="34" charset="-122"/>
+                          <a:cs typeface="Times New Roman" panose="02020603050405020304" pitchFamily="18" charset="0"/>
+                        </a:rPr>
+                        <a:t>CPU</a:t>
+                      </a:r>
+                      <a:r>
+                        <a:rPr lang="zh-CN" altLang="en-US" sz="1100" b="0" kern="1200" dirty="0" smtClean="0">
+                          <a:solidFill>
+                            <a:schemeClr val="dk1"/>
+                          </a:solidFill>
+                          <a:latin typeface="微软雅黑" panose="020B0503020204020204" pitchFamily="34" charset="-122"/>
+                          <a:ea typeface="微软雅黑" panose="020B0503020204020204" pitchFamily="34" charset="-122"/>
+                          <a:cs typeface="Times New Roman" panose="02020603050405020304" pitchFamily="18" charset="0"/>
+                        </a:rPr>
+                        <a:t>也作为执行子任务的节点不适用于高速信号的处理，且</a:t>
+                      </a:r>
+                      <a:r>
+                        <a:rPr lang="en-US" altLang="zh-CN" sz="1100" b="0" kern="1200" dirty="0" smtClean="0">
+                          <a:solidFill>
+                            <a:schemeClr val="dk1"/>
+                          </a:solidFill>
+                          <a:latin typeface="微软雅黑" panose="020B0503020204020204" pitchFamily="34" charset="-122"/>
+                          <a:ea typeface="微软雅黑" panose="020B0503020204020204" pitchFamily="34" charset="-122"/>
+                          <a:cs typeface="Times New Roman" panose="02020603050405020304" pitchFamily="18" charset="0"/>
+                        </a:rPr>
+                        <a:t>CPU</a:t>
+                      </a:r>
+                      <a:r>
+                        <a:rPr lang="zh-CN" altLang="en-US" sz="1100" b="0" kern="1200" dirty="0" smtClean="0">
+                          <a:solidFill>
+                            <a:schemeClr val="dk1"/>
+                          </a:solidFill>
+                          <a:latin typeface="微软雅黑" panose="020B0503020204020204" pitchFamily="34" charset="-122"/>
+                          <a:ea typeface="微软雅黑" panose="020B0503020204020204" pitchFamily="34" charset="-122"/>
+                          <a:cs typeface="Times New Roman" panose="02020603050405020304" pitchFamily="18" charset="0"/>
+                        </a:rPr>
+                        <a:t>至</a:t>
                       </a:r>
                       <a:r>
                         <a:rPr lang="en-US" altLang="zh-CN" sz="1100" b="0" kern="1200" dirty="0" smtClean="0">
@@ -31792,95 +31821,7 @@
                           <a:ea typeface="微软雅黑" panose="020B0503020204020204" pitchFamily="34" charset="-122"/>
                           <a:cs typeface="Times New Roman" panose="02020603050405020304" pitchFamily="18" charset="0"/>
                         </a:rPr>
-                        <a:t>平台资源的优势，将</a:t>
-                      </a:r>
-                      <a:r>
-                        <a:rPr lang="en-US" altLang="zh-CN" sz="1100" b="0" kern="1200" dirty="0" smtClean="0">
-                          <a:solidFill>
-                            <a:schemeClr val="dk1"/>
-                          </a:solidFill>
-                          <a:latin typeface="微软雅黑" panose="020B0503020204020204" pitchFamily="34" charset="-122"/>
-                          <a:ea typeface="微软雅黑" panose="020B0503020204020204" pitchFamily="34" charset="-122"/>
-                          <a:cs typeface="Times New Roman" panose="02020603050405020304" pitchFamily="18" charset="0"/>
-                        </a:rPr>
-                        <a:t>Kernel</a:t>
-                      </a:r>
-                      <a:r>
-                        <a:rPr lang="zh-CN" altLang="en-US" sz="1100" b="0" kern="1200" dirty="0" smtClean="0">
-                          <a:solidFill>
-                            <a:schemeClr val="dk1"/>
-                          </a:solidFill>
-                          <a:latin typeface="微软雅黑" panose="020B0503020204020204" pitchFamily="34" charset="-122"/>
-                          <a:ea typeface="微软雅黑" panose="020B0503020204020204" pitchFamily="34" charset="-122"/>
-                          <a:cs typeface="Times New Roman" panose="02020603050405020304" pitchFamily="18" charset="0"/>
-                        </a:rPr>
-                        <a:t>函数划分为在</a:t>
-                      </a:r>
-                      <a:r>
-                        <a:rPr lang="en-US" altLang="zh-CN" sz="1100" b="0" kern="1200" dirty="0" smtClean="0">
-                          <a:solidFill>
-                            <a:schemeClr val="dk1"/>
-                          </a:solidFill>
-                          <a:latin typeface="微软雅黑" panose="020B0503020204020204" pitchFamily="34" charset="-122"/>
-                          <a:ea typeface="微软雅黑" panose="020B0503020204020204" pitchFamily="34" charset="-122"/>
-                          <a:cs typeface="Times New Roman" panose="02020603050405020304" pitchFamily="18" charset="0"/>
-                        </a:rPr>
-                        <a:t>CPU</a:t>
-                      </a:r>
-                      <a:r>
-                        <a:rPr lang="zh-CN" altLang="en-US" sz="1100" b="0" kern="1200" dirty="0" smtClean="0">
-                          <a:solidFill>
-                            <a:schemeClr val="dk1"/>
-                          </a:solidFill>
-                          <a:latin typeface="微软雅黑" panose="020B0503020204020204" pitchFamily="34" charset="-122"/>
-                          <a:ea typeface="微软雅黑" panose="020B0503020204020204" pitchFamily="34" charset="-122"/>
-                          <a:cs typeface="Times New Roman" panose="02020603050405020304" pitchFamily="18" charset="0"/>
-                        </a:rPr>
-                        <a:t>与</a:t>
-                      </a:r>
-                      <a:r>
-                        <a:rPr lang="en-US" altLang="zh-CN" sz="1100" b="0" kern="1200" dirty="0" smtClean="0">
-                          <a:solidFill>
-                            <a:schemeClr val="dk1"/>
-                          </a:solidFill>
-                          <a:latin typeface="微软雅黑" panose="020B0503020204020204" pitchFamily="34" charset="-122"/>
-                          <a:ea typeface="微软雅黑" panose="020B0503020204020204" pitchFamily="34" charset="-122"/>
-                          <a:cs typeface="Times New Roman" panose="02020603050405020304" pitchFamily="18" charset="0"/>
-                        </a:rPr>
-                        <a:t>GPU</a:t>
-                      </a:r>
-                      <a:r>
-                        <a:rPr lang="zh-CN" altLang="en-US" sz="1100" b="0" kern="1200" dirty="0" smtClean="0">
-                          <a:solidFill>
-                            <a:schemeClr val="dk1"/>
-                          </a:solidFill>
-                          <a:latin typeface="微软雅黑" panose="020B0503020204020204" pitchFamily="34" charset="-122"/>
-                          <a:ea typeface="微软雅黑" panose="020B0503020204020204" pitchFamily="34" charset="-122"/>
-                          <a:cs typeface="Times New Roman" panose="02020603050405020304" pitchFamily="18" charset="0"/>
-                        </a:rPr>
-                        <a:t>设备上明显增加了</a:t>
-                      </a:r>
-                      <a:r>
-                        <a:rPr lang="en-US" altLang="zh-CN" sz="1100" b="0" kern="1200" dirty="0" smtClean="0">
-                          <a:solidFill>
-                            <a:schemeClr val="dk1"/>
-                          </a:solidFill>
-                          <a:latin typeface="微软雅黑" panose="020B0503020204020204" pitchFamily="34" charset="-122"/>
-                          <a:ea typeface="微软雅黑" panose="020B0503020204020204" pitchFamily="34" charset="-122"/>
-                          <a:cs typeface="Times New Roman" panose="02020603050405020304" pitchFamily="18" charset="0"/>
-                        </a:rPr>
-                        <a:t>CPU</a:t>
-                      </a:r>
-                      <a:r>
-                        <a:rPr lang="zh-CN" altLang="en-US" sz="1100" b="0" kern="1200" dirty="0" smtClean="0">
-                          <a:solidFill>
-                            <a:schemeClr val="dk1"/>
-                          </a:solidFill>
-                          <a:latin typeface="微软雅黑" panose="020B0503020204020204" pitchFamily="34" charset="-122"/>
-                          <a:ea typeface="微软雅黑" panose="020B0503020204020204" pitchFamily="34" charset="-122"/>
-                          <a:cs typeface="Times New Roman" panose="02020603050405020304" pitchFamily="18" charset="0"/>
-                        </a:rPr>
-                        <a:t>计算负载，并且频繁的数据传输会占用大量数据传输总线资源。</a:t>
+                        <a:t>的数据传输没有在考虑范围内。</a:t>
                       </a:r>
                       <a:endParaRPr lang="x-none" altLang="zh-CN" sz="1100" b="0" kern="1200" dirty="0">
                         <a:solidFill>
@@ -31897,6 +31838,189 @@
                 <a:extLst>
                   <a:ext uri="{0D108BD9-81ED-4DB2-BD59-A6C34878D82A}">
                     <a16:rowId xmlns:a16="http://schemas.microsoft.com/office/drawing/2014/main" val="3078609405"/>
+                  </a:ext>
+                </a:extLst>
+              </a:tr>
+              <a:tr h="644602">
+                <a:tc>
+                  <a:txBody>
+                    <a:bodyPr/>
+                    <a:lstStyle/>
+                    <a:p>
+                      <a:pPr marL="0" algn="ctr" defTabSz="685800" rtl="0" eaLnBrk="1" latinLnBrk="0" hangingPunct="1">
+                        <a:buNone/>
+                      </a:pPr>
+                      <a:r>
+                        <a:rPr lang="en-US" altLang="zh-CN" sz="1400" b="0" kern="1200" dirty="0" smtClean="0">
+                          <a:solidFill>
+                            <a:schemeClr val="dk1"/>
+                          </a:solidFill>
+                          <a:latin typeface="Times New Roman" panose="02020603050405020304" pitchFamily="18" charset="0"/>
+                          <a:ea typeface="微软雅黑" panose="020B0503020204020204" pitchFamily="34" charset="-122"/>
+                          <a:cs typeface="Times New Roman" panose="02020603050405020304" pitchFamily="18" charset="0"/>
+                        </a:rPr>
+                        <a:t>《</a:t>
+                      </a:r>
+                      <a:r>
+                        <a:rPr lang="en-US" altLang="zh-CN" sz="1350" kern="1200" dirty="0" smtClean="0">
+                          <a:solidFill>
+                            <a:schemeClr val="dk1"/>
+                          </a:solidFill>
+                          <a:effectLst/>
+                          <a:latin typeface="+mn-lt"/>
+                          <a:ea typeface="+mn-ea"/>
+                          <a:cs typeface="+mn-cs"/>
+                        </a:rPr>
+                        <a:t>Parallel Huge Matrix Multiplication on a Cluster with GPGPU Accelerators</a:t>
+                      </a:r>
+                      <a:r>
+                        <a:rPr lang="en-US" altLang="zh-CN" sz="1400" b="0" kern="1200" dirty="0" smtClean="0">
+                          <a:solidFill>
+                            <a:schemeClr val="dk1"/>
+                          </a:solidFill>
+                          <a:latin typeface="Times New Roman" panose="02020603050405020304" pitchFamily="18" charset="0"/>
+                          <a:ea typeface="微软雅黑" panose="020B0503020204020204" pitchFamily="34" charset="-122"/>
+                          <a:cs typeface="Times New Roman" panose="02020603050405020304" pitchFamily="18" charset="0"/>
+                        </a:rPr>
+                        <a:t>》</a:t>
+                      </a:r>
+                      <a:endParaRPr lang="en-US" altLang="zh-CN" sz="1400" b="0" kern="1200" dirty="0">
+                        <a:solidFill>
+                          <a:schemeClr val="dk1"/>
+                        </a:solidFill>
+                        <a:latin typeface="Times New Roman" panose="02020603050405020304" pitchFamily="18" charset="0"/>
+                        <a:ea typeface="微软雅黑" panose="020B0503020204020204" pitchFamily="34" charset="-122"/>
+                        <a:cs typeface="Times New Roman" panose="02020603050405020304" pitchFamily="18" charset="0"/>
+                      </a:endParaRPr>
+                    </a:p>
+                  </a:txBody>
+                  <a:tcPr marL="68608" marR="68608" marT="34304" marB="34304" anchor="ctr"/>
+                </a:tc>
+                <a:tc>
+                  <a:txBody>
+                    <a:bodyPr/>
+                    <a:lstStyle/>
+                    <a:p>
+                      <a:pPr algn="l">
+                        <a:lnSpc>
+                          <a:spcPct val="125000"/>
+                        </a:lnSpc>
+                        <a:buNone/>
+                      </a:pPr>
+                      <a:r>
+                        <a:rPr lang="zh-CN" altLang="en-US" sz="1100" b="0" kern="1200" dirty="0" smtClean="0">
+                          <a:solidFill>
+                            <a:schemeClr val="dk1"/>
+                          </a:solidFill>
+                          <a:latin typeface="Times New Roman" panose="02020603050405020304" pitchFamily="18" charset="0"/>
+                          <a:ea typeface="微软雅黑" panose="020B0503020204020204" pitchFamily="34" charset="-122"/>
+                          <a:cs typeface="Times New Roman" panose="02020603050405020304" pitchFamily="18" charset="0"/>
+                        </a:rPr>
+                        <a:t>提出了一种</a:t>
+                      </a:r>
+                      <a:r>
+                        <a:rPr lang="en-US" altLang="zh-CN" sz="1100" b="0" kern="1200" dirty="0" smtClean="0">
+                          <a:solidFill>
+                            <a:schemeClr val="dk1"/>
+                          </a:solidFill>
+                          <a:latin typeface="Times New Roman" panose="02020603050405020304" pitchFamily="18" charset="0"/>
+                          <a:ea typeface="微软雅黑" panose="020B0503020204020204" pitchFamily="34" charset="-122"/>
+                          <a:cs typeface="Times New Roman" panose="02020603050405020304" pitchFamily="18" charset="0"/>
+                        </a:rPr>
+                        <a:t>GPU</a:t>
+                      </a:r>
+                      <a:r>
+                        <a:rPr lang="zh-CN" altLang="en-US" sz="1100" b="0" kern="1200" dirty="0" smtClean="0">
+                          <a:solidFill>
+                            <a:schemeClr val="dk1"/>
+                          </a:solidFill>
+                          <a:latin typeface="Times New Roman" panose="02020603050405020304" pitchFamily="18" charset="0"/>
+                          <a:ea typeface="微软雅黑" panose="020B0503020204020204" pitchFamily="34" charset="-122"/>
+                          <a:cs typeface="Times New Roman" panose="02020603050405020304" pitchFamily="18" charset="0"/>
+                        </a:rPr>
+                        <a:t>集群处理大规模矩阵乘法的方法，根据可用处理器数量将矩阵简单划分成几个部分，然后通过网络分发至不同</a:t>
+                      </a:r>
+                      <a:r>
+                        <a:rPr lang="en-US" altLang="zh-CN" sz="1100" b="0" kern="1200" dirty="0" smtClean="0">
+                          <a:solidFill>
+                            <a:schemeClr val="dk1"/>
+                          </a:solidFill>
+                          <a:latin typeface="Times New Roman" panose="02020603050405020304" pitchFamily="18" charset="0"/>
+                          <a:ea typeface="微软雅黑" panose="020B0503020204020204" pitchFamily="34" charset="-122"/>
+                          <a:cs typeface="Times New Roman" panose="02020603050405020304" pitchFamily="18" charset="0"/>
+                        </a:rPr>
+                        <a:t>GPU</a:t>
+                      </a:r>
+                      <a:r>
+                        <a:rPr lang="zh-CN" altLang="en-US" sz="1100" b="0" kern="1200" dirty="0" smtClean="0">
+                          <a:solidFill>
+                            <a:schemeClr val="dk1"/>
+                          </a:solidFill>
+                          <a:latin typeface="Times New Roman" panose="02020603050405020304" pitchFamily="18" charset="0"/>
+                          <a:ea typeface="微软雅黑" panose="020B0503020204020204" pitchFamily="34" charset="-122"/>
+                          <a:cs typeface="Times New Roman" panose="02020603050405020304" pitchFamily="18" charset="0"/>
+                        </a:rPr>
+                        <a:t>运算。</a:t>
+                      </a:r>
+                      <a:endParaRPr sz="1100" b="0" kern="1200" dirty="0">
+                        <a:solidFill>
+                          <a:schemeClr val="dk1"/>
+                        </a:solidFill>
+                        <a:latin typeface="Times New Roman" panose="02020603050405020304" pitchFamily="18" charset="0"/>
+                        <a:ea typeface="微软雅黑" panose="020B0503020204020204" pitchFamily="34" charset="-122"/>
+                        <a:cs typeface="Times New Roman" panose="02020603050405020304" pitchFamily="18" charset="0"/>
+                      </a:endParaRPr>
+                    </a:p>
+                  </a:txBody>
+                  <a:tcPr marL="68608" marR="68608" marT="34304" marB="34304" anchor="ctr"/>
+                </a:tc>
+                <a:tc>
+                  <a:txBody>
+                    <a:bodyPr/>
+                    <a:lstStyle/>
+                    <a:p>
+                      <a:pPr algn="l">
+                        <a:buNone/>
+                      </a:pPr>
+                      <a:r>
+                        <a:rPr lang="zh-CN" altLang="en-US" sz="1100" b="0" kern="1200" dirty="0" smtClean="0">
+                          <a:solidFill>
+                            <a:schemeClr val="dk1"/>
+                          </a:solidFill>
+                          <a:latin typeface="微软雅黑" panose="020B0503020204020204" pitchFamily="34" charset="-122"/>
+                          <a:ea typeface="微软雅黑" panose="020B0503020204020204" pitchFamily="34" charset="-122"/>
+                          <a:cs typeface="Times New Roman" panose="02020603050405020304" pitchFamily="18" charset="0"/>
+                        </a:rPr>
+                        <a:t>这样的分配方式完全没有考虑设备计算能力会不同，没有考虑动态负载均衡，并且实验场景中运算性能的提升主要来源于数据从磁盘读出至网络传输的异步执行，高速流式数据不经过磁盘存储。</a:t>
+                      </a:r>
+                      <a:endParaRPr lang="en-US" altLang="zh-CN" sz="1100" b="0" kern="1200" dirty="0" smtClean="0">
+                        <a:solidFill>
+                          <a:schemeClr val="dk1"/>
+                        </a:solidFill>
+                        <a:latin typeface="微软雅黑" panose="020B0503020204020204" pitchFamily="34" charset="-122"/>
+                        <a:ea typeface="微软雅黑" panose="020B0503020204020204" pitchFamily="34" charset="-122"/>
+                        <a:cs typeface="Times New Roman" panose="02020603050405020304" pitchFamily="18" charset="0"/>
+                      </a:endParaRPr>
+                    </a:p>
+                    <a:p>
+                      <a:pPr algn="l">
+                        <a:buNone/>
+                      </a:pPr>
+                      <a:endParaRPr lang="en-US" altLang="zh-CN" sz="1100" b="0" kern="1200" dirty="0" smtClean="0">
+                        <a:solidFill>
+                          <a:schemeClr val="dk1"/>
+                        </a:solidFill>
+                        <a:latin typeface="微软雅黑" panose="020B0503020204020204" pitchFamily="34" charset="-122"/>
+                        <a:ea typeface="微软雅黑" panose="020B0503020204020204" pitchFamily="34" charset="-122"/>
+                        <a:cs typeface="Times New Roman" panose="02020603050405020304" pitchFamily="18" charset="0"/>
+                      </a:endParaRPr>
+                    </a:p>
+                  </a:txBody>
+                  <a:tcPr marL="68608" marR="68608" marT="34304" marB="34304" anchor="ctr"/>
+                </a:tc>
+                <a:extLst>
+                  <a:ext uri="{0D108BD9-81ED-4DB2-BD59-A6C34878D82A}">
+                    <a16:rowId xmlns:a16="http://schemas.microsoft.com/office/drawing/2014/main" val="3166231050"/>
                   </a:ext>
                 </a:extLst>
               </a:tr>
@@ -32126,7 +32250,7 @@
                           <a:ea typeface="微软雅黑" panose="020B0503020204020204" pitchFamily="34" charset="-122"/>
                           <a:cs typeface="Times New Roman" panose="02020603050405020304" pitchFamily="18" charset="0"/>
                         </a:rPr>
-                        <a:t>提供了良好的程序迁移性，但是采用翻译</a:t>
+                        <a:t>提供了良好的代码迁移性，但是采用将</a:t>
                       </a:r>
                       <a:r>
                         <a:rPr lang="en-US" altLang="zh-CN" sz="1100" b="0" kern="1200" dirty="0" err="1" smtClean="0">
@@ -32140,7 +32264,7 @@
                         <a:t>OpenCL</a:t>
                       </a:r>
                       <a:r>
-                        <a:rPr lang="en-US" altLang="zh-CN" sz="1100" b="0" kern="1200" baseline="0" dirty="0" smtClean="0">
+                        <a:rPr lang="zh-CN" altLang="en-US" sz="1100" b="0" kern="1200" dirty="0" smtClean="0">
                           <a:solidFill>
                             <a:schemeClr val="dk1"/>
                           </a:solidFill>
@@ -32148,10 +32272,10 @@
                           <a:ea typeface="微软雅黑" panose="020B0503020204020204" pitchFamily="34" charset="-122"/>
                           <a:cs typeface="Times New Roman" panose="02020603050405020304" pitchFamily="18" charset="0"/>
                         </a:rPr>
-                        <a:t> kernel</a:t>
+                        <a:t>程序翻译成</a:t>
                       </a:r>
                       <a:r>
-                        <a:rPr lang="zh-CN" altLang="en-US" sz="1100" b="0" kern="1200" baseline="0" dirty="0" smtClean="0">
+                        <a:rPr lang="en-US" altLang="zh-CN" sz="1100" b="0" kern="1200" dirty="0" smtClean="0">
                           <a:solidFill>
                             <a:schemeClr val="dk1"/>
                           </a:solidFill>
@@ -32159,10 +32283,21 @@
                           <a:ea typeface="微软雅黑" panose="020B0503020204020204" pitchFamily="34" charset="-122"/>
                           <a:cs typeface="Times New Roman" panose="02020603050405020304" pitchFamily="18" charset="0"/>
                         </a:rPr>
-                        <a:t>函数的方式，不及直接采用</a:t>
+                        <a:t>CUDA kernel</a:t>
                       </a:r>
                       <a:r>
-                        <a:rPr lang="en-US" altLang="zh-CN" sz="1100" b="0" kern="1200" baseline="0" dirty="0" smtClean="0">
+                        <a:rPr lang="zh-CN" altLang="en-US" sz="1100" b="0" kern="1200" dirty="0" smtClean="0">
+                          <a:solidFill>
+                            <a:schemeClr val="dk1"/>
+                          </a:solidFill>
+                          <a:latin typeface="微软雅黑" panose="020B0503020204020204" pitchFamily="34" charset="-122"/>
+                          <a:ea typeface="微软雅黑" panose="020B0503020204020204" pitchFamily="34" charset="-122"/>
+                          <a:cs typeface="Times New Roman" panose="02020603050405020304" pitchFamily="18" charset="0"/>
+                        </a:rPr>
+                        <a:t>的方式不如使用</a:t>
+                      </a:r>
+                      <a:r>
+                        <a:rPr lang="en-US" altLang="zh-CN" sz="1100" b="0" kern="1200" dirty="0" smtClean="0">
                           <a:solidFill>
                             <a:schemeClr val="dk1"/>
                           </a:solidFill>
@@ -32173,7 +32308,7 @@
                         <a:t>CUDA</a:t>
                       </a:r>
                       <a:r>
-                        <a:rPr lang="zh-CN" altLang="en-US" sz="1100" b="0" kern="1200" baseline="0" dirty="0" smtClean="0">
+                        <a:rPr lang="zh-CN" altLang="en-US" sz="1100" b="0" kern="1200" dirty="0" smtClean="0">
                           <a:solidFill>
                             <a:schemeClr val="dk1"/>
                           </a:solidFill>
@@ -32181,9 +32316,31 @@
                           <a:ea typeface="微软雅黑" panose="020B0503020204020204" pitchFamily="34" charset="-122"/>
                           <a:cs typeface="Times New Roman" panose="02020603050405020304" pitchFamily="18" charset="0"/>
                         </a:rPr>
-                        <a:t>编写方式效率高。</a:t>
+                        <a:t>编写出的代码高效。使用运行时翻译会引入额外的</a:t>
                       </a:r>
-                      <a:endParaRPr lang="en-US" altLang="zh-CN" sz="1100" b="0" kern="1200" baseline="0" dirty="0" smtClean="0">
+                      <a:r>
+                        <a:rPr lang="en-US" altLang="zh-CN" sz="1100" b="0" kern="1200" dirty="0" smtClean="0">
+                          <a:solidFill>
+                            <a:schemeClr val="dk1"/>
+                          </a:solidFill>
+                          <a:latin typeface="微软雅黑" panose="020B0503020204020204" pitchFamily="34" charset="-122"/>
+                          <a:ea typeface="微软雅黑" panose="020B0503020204020204" pitchFamily="34" charset="-122"/>
+                          <a:cs typeface="Times New Roman" panose="02020603050405020304" pitchFamily="18" charset="0"/>
+                        </a:rPr>
+                        <a:t>kernel</a:t>
+                      </a:r>
+                      <a:r>
+                        <a:rPr lang="zh-CN" altLang="en-US" sz="1100" b="0" kern="1200" dirty="0" smtClean="0">
+                          <a:solidFill>
+                            <a:schemeClr val="dk1"/>
+                          </a:solidFill>
+                          <a:latin typeface="微软雅黑" panose="020B0503020204020204" pitchFamily="34" charset="-122"/>
+                          <a:ea typeface="微软雅黑" panose="020B0503020204020204" pitchFamily="34" charset="-122"/>
+                          <a:cs typeface="Times New Roman" panose="02020603050405020304" pitchFamily="18" charset="0"/>
+                        </a:rPr>
+                        <a:t>处理开销。</a:t>
+                      </a:r>
+                      <a:endParaRPr lang="en-US" altLang="zh-CN" sz="1100" b="0" kern="1200" dirty="0" smtClean="0">
                         <a:solidFill>
                           <a:schemeClr val="dk1"/>
                         </a:solidFill>
@@ -32197,7 +32354,7 @@
                 </a:tc>
                 <a:extLst>
                   <a:ext uri="{0D108BD9-81ED-4DB2-BD59-A6C34878D82A}">
-                    <a16:rowId xmlns:a16="http://schemas.microsoft.com/office/drawing/2014/main" val="2626896147"/>
+                    <a16:rowId xmlns:a16="http://schemas.microsoft.com/office/drawing/2014/main" val="2434096815"/>
                   </a:ext>
                 </a:extLst>
               </a:tr>
